--- a/Презентация ВКР Хамидуллин А.И. 3298.pptx
+++ b/Презентация ВКР Хамидуллин А.И. 3298.pptx
@@ -3353,7 +3353,7 @@
           <a:p>
             <a:fld id="{846D2A63-5DBE-4412-9E31-868A4A5BA80E}" type="datetimeFigureOut">
               <a:rPr lang="ru-RU" smtClean="0"/>
-              <a:t>16.06.2023</a:t>
+              <a:t>19.06.2023</a:t>
             </a:fld>
             <a:endParaRPr lang="ru-RU"/>
           </a:p>
@@ -3523,7 +3523,7 @@
           <a:p>
             <a:fld id="{846D2A63-5DBE-4412-9E31-868A4A5BA80E}" type="datetimeFigureOut">
               <a:rPr lang="ru-RU" smtClean="0"/>
-              <a:t>16.06.2023</a:t>
+              <a:t>19.06.2023</a:t>
             </a:fld>
             <a:endParaRPr lang="ru-RU"/>
           </a:p>
@@ -3769,7 +3769,7 @@
           <a:p>
             <a:fld id="{846D2A63-5DBE-4412-9E31-868A4A5BA80E}" type="datetimeFigureOut">
               <a:rPr lang="ru-RU" smtClean="0"/>
-              <a:t>16.06.2023</a:t>
+              <a:t>19.06.2023</a:t>
             </a:fld>
             <a:endParaRPr lang="ru-RU"/>
           </a:p>
@@ -4001,7 +4001,7 @@
           <a:p>
             <a:fld id="{846D2A63-5DBE-4412-9E31-868A4A5BA80E}" type="datetimeFigureOut">
               <a:rPr lang="ru-RU" smtClean="0"/>
-              <a:t>16.06.2023</a:t>
+              <a:t>19.06.2023</a:t>
             </a:fld>
             <a:endParaRPr lang="ru-RU"/>
           </a:p>
@@ -4368,7 +4368,7 @@
           <a:p>
             <a:fld id="{846D2A63-5DBE-4412-9E31-868A4A5BA80E}" type="datetimeFigureOut">
               <a:rPr lang="ru-RU" smtClean="0"/>
-              <a:t>16.06.2023</a:t>
+              <a:t>19.06.2023</a:t>
             </a:fld>
             <a:endParaRPr lang="ru-RU"/>
           </a:p>
@@ -4486,7 +4486,7 @@
           <a:p>
             <a:fld id="{846D2A63-5DBE-4412-9E31-868A4A5BA80E}" type="datetimeFigureOut">
               <a:rPr lang="ru-RU" smtClean="0"/>
-              <a:t>16.06.2023</a:t>
+              <a:t>19.06.2023</a:t>
             </a:fld>
             <a:endParaRPr lang="ru-RU"/>
           </a:p>
@@ -4714,7 +4714,7 @@
           <a:p>
             <a:fld id="{846D2A63-5DBE-4412-9E31-868A4A5BA80E}" type="datetimeFigureOut">
               <a:rPr lang="ru-RU" smtClean="0"/>
-              <a:t>16.06.2023</a:t>
+              <a:t>19.06.2023</a:t>
             </a:fld>
             <a:endParaRPr lang="ru-RU"/>
           </a:p>
@@ -4991,7 +4991,7 @@
           <a:p>
             <a:fld id="{846D2A63-5DBE-4412-9E31-868A4A5BA80E}" type="datetimeFigureOut">
               <a:rPr lang="ru-RU" smtClean="0"/>
-              <a:t>16.06.2023</a:t>
+              <a:t>19.06.2023</a:t>
             </a:fld>
             <a:endParaRPr lang="ru-RU"/>
           </a:p>
@@ -5248,7 +5248,7 @@
           <a:p>
             <a:fld id="{846D2A63-5DBE-4412-9E31-868A4A5BA80E}" type="datetimeFigureOut">
               <a:rPr lang="ru-RU" smtClean="0"/>
-              <a:t>16.06.2023</a:t>
+              <a:t>19.06.2023</a:t>
             </a:fld>
             <a:endParaRPr lang="ru-RU"/>
           </a:p>
@@ -5418,7 +5418,7 @@
           <a:p>
             <a:fld id="{846D2A63-5DBE-4412-9E31-868A4A5BA80E}" type="datetimeFigureOut">
               <a:rPr lang="ru-RU" smtClean="0"/>
-              <a:t>16.06.2023</a:t>
+              <a:t>19.06.2023</a:t>
             </a:fld>
             <a:endParaRPr lang="ru-RU"/>
           </a:p>
@@ -5598,7 +5598,7 @@
           <a:p>
             <a:fld id="{846D2A63-5DBE-4412-9E31-868A4A5BA80E}" type="datetimeFigureOut">
               <a:rPr lang="ru-RU" smtClean="0"/>
-              <a:t>16.06.2023</a:t>
+              <a:t>19.06.2023</a:t>
             </a:fld>
             <a:endParaRPr lang="ru-RU"/>
           </a:p>
@@ -7764,7 +7764,7 @@
           <a:p>
             <a:fld id="{C764DE79-268F-4C1A-8933-263129D2AF90}" type="datetimeFigureOut">
               <a:rPr lang="en-US" dirty="0"/>
-              <a:t>6/16/2023</a:t>
+              <a:t>6/19/2023</a:t>
             </a:fld>
             <a:endParaRPr lang="en-US" dirty="0"/>
           </a:p>
@@ -13663,7 +13663,7 @@
         <p:spPr>
           <a:xfrm>
             <a:off x="1550495" y="1223755"/>
-            <a:ext cx="9511529" cy="2705228"/>
+            <a:ext cx="9511529" cy="2284215"/>
           </a:xfrm>
           <a:prstGeom prst="rect">
             <a:avLst/>
@@ -13755,25 +13755,6 @@
                 </a:solidFill>
               </a:rPr>
               <a:t>7</a:t>
-            </a:r>
-          </a:p>
-          <a:p>
-            <a:pPr algn="l">
-              <a:lnSpc>
-                <a:spcPct val="114000"/>
-              </a:lnSpc>
-            </a:pPr>
-            <a:r>
-              <a:rPr lang="ru-RU" sz="2400" dirty="0"/>
-              <a:t>Презентация: </a:t>
-            </a:r>
-            <a:r>
-              <a:rPr lang="ru-RU" sz="2400" dirty="0">
-                <a:solidFill>
-                  <a:srgbClr val="0070C0"/>
-                </a:solidFill>
-              </a:rPr>
-              <a:t>17 слайдов</a:t>
             </a:r>
           </a:p>
           <a:p>
@@ -14845,8 +14826,19 @@
                 <a:latin typeface="Arial" panose="020B0604020202020204" pitchFamily="34" charset="0"/>
                 <a:ea typeface="Calibri" panose="020F0502020204030204" pitchFamily="34" charset="0"/>
               </a:rPr>
-              <a:t>построить математические модели двигателя постоянного тока и движения робота;</a:t>
-            </a:r>
+              <a:t>построить математические модели движения робота с учетом </a:t>
+            </a:r>
+            <a:r>
+              <a:rPr lang="ru-RU" sz="1800">
+                <a:latin typeface="Arial" panose="020B0604020202020204" pitchFamily="34" charset="0"/>
+                <a:ea typeface="Calibri" panose="020F0502020204030204" pitchFamily="34" charset="0"/>
+              </a:rPr>
+              <a:t>динамики двигателя;</a:t>
+            </a:r>
+            <a:endParaRPr lang="ru-RU" sz="1800" dirty="0">
+              <a:latin typeface="Arial" panose="020B0604020202020204" pitchFamily="34" charset="0"/>
+              <a:ea typeface="Calibri" panose="020F0502020204030204" pitchFamily="34" charset="0"/>
+            </a:endParaRPr>
           </a:p>
           <a:p>
             <a:pPr marL="342900" lvl="0" indent="-342900" algn="just">
@@ -15806,7 +15798,7 @@
           <a:graphicData uri="http://schemas.openxmlformats.org/presentationml/2006/ole">
             <mc:AlternateContent xmlns:mc="http://schemas.openxmlformats.org/markup-compatibility/2006">
               <mc:Choice xmlns:v="urn:schemas-microsoft-com:vml" Requires="v">
-                <p:oleObj spid="_x0000_s3131" r:id="rId4" imgW="1435100" imgH="838200" progId="Equation.DSMT4">
+                <p:oleObj spid="_x0000_s3133" r:id="rId4" imgW="1435100" imgH="838200" progId="Equation.DSMT4">
                   <p:embed/>
                 </p:oleObj>
               </mc:Choice>
@@ -15948,7 +15940,7 @@
           <a:graphicData uri="http://schemas.openxmlformats.org/presentationml/2006/ole">
             <mc:AlternateContent xmlns:mc="http://schemas.openxmlformats.org/markup-compatibility/2006">
               <mc:Choice xmlns:v="urn:schemas-microsoft-com:vml" Requires="v">
-                <p:oleObj spid="_x0000_s3132" r:id="rId6" imgW="1206500" imgH="457200" progId="Equation.DSMT4">
+                <p:oleObj spid="_x0000_s3134" r:id="rId6" imgW="1206500" imgH="457200" progId="Equation.DSMT4">
                   <p:embed/>
                 </p:oleObj>
               </mc:Choice>
@@ -16826,8 +16818,8 @@
           </a:p>
         </p:txBody>
       </p:sp>
-      <mc:AlternateContent xmlns:mc="http://schemas.openxmlformats.org/markup-compatibility/2006">
-        <mc:Choice xmlns:a14="http://schemas.microsoft.com/office/drawing/2010/main" Requires="a14">
+      <mc:AlternateContent xmlns:mc="http://schemas.openxmlformats.org/markup-compatibility/2006" xmlns:a14="http://schemas.microsoft.com/office/drawing/2010/main">
+        <mc:Choice Requires="a14">
           <p:sp>
             <p:nvSpPr>
               <p:cNvPr id="3" name="Прямоугольник 2">
@@ -17140,7 +17132,7 @@
             </p:txBody>
           </p:sp>
         </mc:Choice>
-        <mc:Fallback>
+        <mc:Fallback xmlns="">
           <p:sp>
             <p:nvSpPr>
               <p:cNvPr id="3" name="Прямоугольник 2">
@@ -17185,8 +17177,8 @@
           </p:sp>
         </mc:Fallback>
       </mc:AlternateContent>
-      <mc:AlternateContent xmlns:mc="http://schemas.openxmlformats.org/markup-compatibility/2006">
-        <mc:Choice xmlns:a14="http://schemas.microsoft.com/office/drawing/2010/main" Requires="a14">
+      <mc:AlternateContent xmlns:mc="http://schemas.openxmlformats.org/markup-compatibility/2006" xmlns:a14="http://schemas.microsoft.com/office/drawing/2010/main">
+        <mc:Choice Requires="a14">
           <p:sp>
             <p:nvSpPr>
               <p:cNvPr id="4" name="Прямоугольник 3">
@@ -17329,7 +17321,7 @@
                       <m:d>
                         <m:dPr>
                           <m:ctrlPr>
-                            <a:rPr lang="ru-RU" sz="2000" i="0">
+                            <a:rPr lang="ru-RU" sz="2000" i="1">
                               <a:latin typeface="Cambria Math" panose="02040503050406030204" pitchFamily="18" charset="0"/>
                             </a:rPr>
                           </m:ctrlPr>
@@ -17428,7 +17420,7 @@
             </p:txBody>
           </p:sp>
         </mc:Choice>
-        <mc:Fallback>
+        <mc:Fallback xmlns="">
           <p:sp>
             <p:nvSpPr>
               <p:cNvPr id="4" name="Прямоугольник 3">
@@ -17473,8 +17465,8 @@
           </p:sp>
         </mc:Fallback>
       </mc:AlternateContent>
-      <mc:AlternateContent xmlns:mc="http://schemas.openxmlformats.org/markup-compatibility/2006">
-        <mc:Choice xmlns:a14="http://schemas.microsoft.com/office/drawing/2010/main" Requires="a14">
+      <mc:AlternateContent xmlns:mc="http://schemas.openxmlformats.org/markup-compatibility/2006" xmlns:a14="http://schemas.microsoft.com/office/drawing/2010/main">
+        <mc:Choice Requires="a14">
           <p:sp>
             <p:nvSpPr>
               <p:cNvPr id="5" name="Прямоугольник 4">
@@ -17780,7 +17772,7 @@
             </p:txBody>
           </p:sp>
         </mc:Choice>
-        <mc:Fallback>
+        <mc:Fallback xmlns="">
           <p:sp>
             <p:nvSpPr>
               <p:cNvPr id="5" name="Прямоугольник 4">
@@ -18031,8 +18023,8 @@
           </a:p>
         </p:txBody>
       </p:sp>
-      <mc:AlternateContent xmlns:mc="http://schemas.openxmlformats.org/markup-compatibility/2006">
-        <mc:Choice xmlns:a14="http://schemas.microsoft.com/office/drawing/2010/main" Requires="a14">
+      <mc:AlternateContent xmlns:mc="http://schemas.openxmlformats.org/markup-compatibility/2006" xmlns:a14="http://schemas.microsoft.com/office/drawing/2010/main">
+        <mc:Choice Requires="a14">
           <p:graphicFrame>
             <p:nvGraphicFramePr>
               <p:cNvPr id="7" name="Таблица 6">
@@ -18331,7 +18323,7 @@
             </a:graphic>
           </p:graphicFrame>
         </mc:Choice>
-        <mc:Fallback>
+        <mc:Fallback xmlns="">
           <p:graphicFrame>
             <p:nvGraphicFramePr>
               <p:cNvPr id="7" name="Таблица 6">
@@ -18411,8 +18403,8 @@
           </p:graphicFrame>
         </mc:Fallback>
       </mc:AlternateContent>
-      <mc:AlternateContent xmlns:mc="http://schemas.openxmlformats.org/markup-compatibility/2006">
-        <mc:Choice xmlns:a14="http://schemas.microsoft.com/office/drawing/2010/main" Requires="a14">
+      <mc:AlternateContent xmlns:mc="http://schemas.openxmlformats.org/markup-compatibility/2006" xmlns:a14="http://schemas.microsoft.com/office/drawing/2010/main">
+        <mc:Choice Requires="a14">
           <p:graphicFrame>
             <p:nvGraphicFramePr>
               <p:cNvPr id="13" name="Таблица 12">
@@ -18957,7 +18949,7 @@
             </a:graphic>
           </p:graphicFrame>
         </mc:Choice>
-        <mc:Fallback>
+        <mc:Fallback xmlns="">
           <p:graphicFrame>
             <p:nvGraphicFramePr>
               <p:cNvPr id="13" name="Таблица 12">
@@ -19078,8 +19070,8 @@
           </a:p>
         </p:txBody>
       </p:sp>
-      <mc:AlternateContent xmlns:mc="http://schemas.openxmlformats.org/markup-compatibility/2006">
-        <mc:Choice xmlns:a14="http://schemas.microsoft.com/office/drawing/2010/main" Requires="a14">
+      <mc:AlternateContent xmlns:mc="http://schemas.openxmlformats.org/markup-compatibility/2006" xmlns:a14="http://schemas.microsoft.com/office/drawing/2010/main">
+        <mc:Choice Requires="a14">
           <p:sp>
             <p:nvSpPr>
               <p:cNvPr id="17" name="Прямоугольник 16">
@@ -19131,7 +19123,7 @@
             </p:txBody>
           </p:sp>
         </mc:Choice>
-        <mc:Fallback>
+        <mc:Fallback xmlns="">
           <p:sp>
             <p:nvSpPr>
               <p:cNvPr id="17" name="Прямоугольник 16">
@@ -19176,8 +19168,8 @@
           </p:sp>
         </mc:Fallback>
       </mc:AlternateContent>
-      <mc:AlternateContent xmlns:mc="http://schemas.openxmlformats.org/markup-compatibility/2006">
-        <mc:Choice xmlns:a14="http://schemas.microsoft.com/office/drawing/2010/main" Requires="a14">
+      <mc:AlternateContent xmlns:mc="http://schemas.openxmlformats.org/markup-compatibility/2006" xmlns:a14="http://schemas.microsoft.com/office/drawing/2010/main">
+        <mc:Choice Requires="a14">
           <p:sp>
             <p:nvSpPr>
               <p:cNvPr id="18" name="Прямоугольник 17">
@@ -19237,7 +19229,7 @@
             </p:txBody>
           </p:sp>
         </mc:Choice>
-        <mc:Fallback>
+        <mc:Fallback xmlns="">
           <p:sp>
             <p:nvSpPr>
               <p:cNvPr id="18" name="Прямоугольник 17">
